--- a/final-paper/presentation/colin-slides.pptx
+++ b/final-paper/presentation/colin-slides.pptx
@@ -19,9 +19,9 @@
     <p:sldId id="263" r:id="rId10"/>
     <p:sldId id="265" r:id="rId11"/>
     <p:sldId id="267" r:id="rId12"/>
-    <p:sldId id="268" r:id="rId13"/>
-    <p:sldId id="269" r:id="rId14"/>
-    <p:sldId id="266" r:id="rId15"/>
+    <p:sldId id="269" r:id="rId13"/>
+    <p:sldId id="266" r:id="rId14"/>
+    <p:sldId id="270" r:id="rId15"/>
   </p:sldIdLst>
   <p:sldSz cx="9144000" cy="6858000" type="screen4x3"/>
   <p:notesSz cx="6858000" cy="9144000"/>
@@ -834,7 +834,7 @@
           <a:p>
             <a:fld id="{3BC248B6-A4F8-6B47-A5D5-D89B1AD28051}" type="slidenum">
               <a:rPr lang="en-US" smtClean="0"/>
-              <a:t>13</a:t>
+              <a:t>12</a:t>
             </a:fld>
             <a:endParaRPr lang="en-US"/>
           </a:p>
@@ -5842,8 +5842,23 @@
           <a:lstStyle/>
           <a:p>
             <a:r>
+              <a:rPr lang="en-US" dirty="0"/>
+              <a:t>Dependent variable: </a:t>
+            </a:r>
+            <a:r>
               <a:rPr lang="en-US" dirty="0" smtClean="0"/>
-              <a:t>Independent variables:</a:t>
+              <a:t>GDP</a:t>
+            </a:r>
+            <a:endParaRPr lang="en-US" dirty="0" smtClean="0"/>
+          </a:p>
+          <a:p>
+            <a:r>
+              <a:rPr lang="en-US" dirty="0" smtClean="0"/>
+              <a:t>Independent </a:t>
+            </a:r>
+            <a:r>
+              <a:rPr lang="en-US" dirty="0" smtClean="0"/>
+              <a:t>variables:</a:t>
             </a:r>
           </a:p>
           <a:p>
@@ -5924,17 +5939,10 @@
               <a:t>Dummy variable for countries in Latin America / </a:t>
             </a:r>
             <a:r>
-              <a:rPr lang="en-US" sz="2000" dirty="0" err="1" smtClean="0"/>
-              <a:t>Carribean</a:t>
+              <a:rPr lang="en-US" sz="2000" dirty="0" smtClean="0"/>
+              <a:t>Caribbean</a:t>
             </a:r>
             <a:endParaRPr lang="en-US" sz="2000" dirty="0" smtClean="0"/>
-          </a:p>
-          <a:p>
-            <a:r>
-              <a:rPr lang="en-US" sz="2200" dirty="0" smtClean="0"/>
-              <a:t>Dependent variable: GDP</a:t>
-            </a:r>
-            <a:endParaRPr lang="en-US" sz="2200" dirty="0"/>
           </a:p>
         </p:txBody>
       </p:sp>
@@ -6087,7 +6095,7 @@
           <a:p>
             <a:r>
               <a:rPr lang="en-US" dirty="0" smtClean="0"/>
-              <a:t>Initial Findings</a:t>
+              <a:t>Shortcomings</a:t>
             </a:r>
             <a:endParaRPr lang="en-US" dirty="0"/>
           </a:p>
@@ -6105,17 +6113,49 @@
         </p:nvSpPr>
         <p:spPr/>
         <p:txBody>
-          <a:bodyPr/>
-          <a:lstStyle/>
-          <a:p>
-            <a:endParaRPr lang="en-US"/>
+          <a:bodyPr>
+            <a:normAutofit/>
+          </a:bodyPr>
+          <a:lstStyle/>
+          <a:p>
+            <a:r>
+              <a:rPr lang="en-US" sz="4800" dirty="0" smtClean="0"/>
+              <a:t>Two</a:t>
+            </a:r>
+            <a:r>
+              <a:rPr lang="en-US" sz="4800" dirty="0"/>
+              <a:t>-way </a:t>
+            </a:r>
+            <a:r>
+              <a:rPr lang="en-US" sz="4800" dirty="0" smtClean="0"/>
+              <a:t>causality?</a:t>
+            </a:r>
+          </a:p>
+          <a:p>
+            <a:pPr lvl="1"/>
+            <a:endParaRPr lang="en-US" sz="3200" dirty="0" smtClean="0"/>
+          </a:p>
+          <a:p>
+            <a:pPr lvl="1"/>
+            <a:r>
+              <a:rPr lang="en-US" sz="3200" dirty="0" smtClean="0"/>
+              <a:t>Demand </a:t>
+            </a:r>
+            <a:r>
+              <a:rPr lang="en-US" sz="3200" dirty="0"/>
+              <a:t>for telecommunications </a:t>
+            </a:r>
+            <a:r>
+              <a:rPr lang="en-US" sz="3200" dirty="0" smtClean="0"/>
+              <a:t>rises with wealth!</a:t>
+            </a:r>
           </a:p>
         </p:txBody>
       </p:sp>
     </p:spTree>
     <p:extLst>
       <p:ext uri="{BB962C8B-B14F-4D97-AF65-F5344CB8AC3E}">
-        <p14:creationId xmlns:p14="http://schemas.microsoft.com/office/powerpoint/2010/main" val="3591491752"/>
+        <p14:creationId xmlns:p14="http://schemas.microsoft.com/office/powerpoint/2010/main" val="9823239"/>
       </p:ext>
     </p:extLst>
   </p:cSld>
@@ -6159,7 +6199,15 @@
           <a:p>
             <a:r>
               <a:rPr lang="en-US" dirty="0" smtClean="0"/>
-              <a:t>Shortcomings</a:t>
+              <a:t>Additional </a:t>
+            </a:r>
+            <a:r>
+              <a:rPr lang="en-US" dirty="0" smtClean="0"/>
+              <a:t>Investigation</a:t>
+            </a:r>
+            <a:r>
+              <a:rPr lang="en-US" dirty="0" smtClean="0"/>
+              <a:t>	</a:t>
             </a:r>
             <a:endParaRPr lang="en-US" dirty="0"/>
           </a:p>
@@ -6183,43 +6231,37 @@
           <a:lstStyle/>
           <a:p>
             <a:r>
-              <a:rPr lang="en-US" sz="4800" dirty="0" smtClean="0"/>
-              <a:t>Two</a:t>
-            </a:r>
-            <a:r>
-              <a:rPr lang="en-US" sz="4800" dirty="0"/>
-              <a:t>-way </a:t>
-            </a:r>
-            <a:r>
-              <a:rPr lang="en-US" sz="4800" dirty="0" smtClean="0"/>
-              <a:t>causality?</a:t>
-            </a:r>
-          </a:p>
-          <a:p>
-            <a:pPr lvl="1"/>
-            <a:endParaRPr lang="en-US" sz="3200" dirty="0" smtClean="0"/>
-          </a:p>
-          <a:p>
-            <a:pPr lvl="1"/>
-            <a:r>
-              <a:rPr lang="en-US" sz="3200" dirty="0" smtClean="0"/>
-              <a:t>Demand </a:t>
-            </a:r>
-            <a:r>
-              <a:rPr lang="en-US" sz="3200" dirty="0"/>
-              <a:t>for telecommunications </a:t>
-            </a:r>
-            <a:r>
-              <a:rPr lang="en-US" sz="3200" dirty="0" smtClean="0"/>
-              <a:t>rises with wealth!</a:t>
-            </a:r>
+              <a:rPr lang="en-US" sz="4400" dirty="0"/>
+              <a:t> W</a:t>
+            </a:r>
+            <a:r>
+              <a:rPr lang="en-US" sz="4400" dirty="0" smtClean="0"/>
+              <a:t>hat is the </a:t>
+            </a:r>
+            <a:r>
+              <a:rPr lang="en-US" sz="4400" b="1" dirty="0" smtClean="0"/>
+              <a:t>cost </a:t>
+            </a:r>
+            <a:r>
+              <a:rPr lang="en-US" sz="4400" dirty="0" smtClean="0"/>
+              <a:t>10</a:t>
+            </a:r>
+            <a:r>
+              <a:rPr lang="en-US" sz="4400" dirty="0"/>
+              <a:t>% broadband penetration </a:t>
+            </a:r>
+            <a:r>
+              <a:rPr lang="en-US" sz="4400" dirty="0" smtClean="0"/>
+              <a:t>relative to other developing initiatives?</a:t>
+            </a:r>
+            <a:endParaRPr lang="en-US" sz="4400" dirty="0"/>
           </a:p>
         </p:txBody>
       </p:sp>
     </p:spTree>
     <p:extLst>
       <p:ext uri="{BB962C8B-B14F-4D97-AF65-F5344CB8AC3E}">
-        <p14:creationId xmlns:p14="http://schemas.microsoft.com/office/powerpoint/2010/main" val="9823239"/>
+        <p14:creationId xmlns:p14="http://schemas.microsoft.com/office/powerpoint/2010/main" val="1113451078"/>
       </p:ext>
     </p:extLst>
   </p:cSld>
@@ -6256,16 +6298,26 @@
             <p:ph type="title"/>
           </p:nvPr>
         </p:nvSpPr>
-        <p:spPr/>
-        <p:txBody>
-          <a:bodyPr/>
+        <p:spPr>
+          <a:xfrm>
+            <a:off x="0" y="1022118"/>
+            <a:ext cx="8913813" cy="1016138"/>
+          </a:xfrm>
+        </p:spPr>
+        <p:txBody>
+          <a:bodyPr>
+            <a:normAutofit fontScale="90000"/>
+          </a:bodyPr>
           <a:lstStyle/>
           <a:p>
             <a:r>
               <a:rPr lang="en-US" dirty="0" smtClean="0"/>
-              <a:t>Additional Questions	</a:t>
-            </a:r>
-            <a:endParaRPr lang="en-US" dirty="0"/>
+              <a:t>Does </a:t>
+            </a:r>
+            <a:r>
+              <a:rPr lang="en-US" dirty="0"/>
+              <a:t>broadband Internet access spur economic growth?</a:t>
+            </a:r>
           </a:p>
         </p:txBody>
       </p:sp>
@@ -6286,38 +6338,25 @@
           </a:bodyPr>
           <a:lstStyle/>
           <a:p>
-            <a:r>
-              <a:rPr lang="en-US" sz="4400" dirty="0"/>
-              <a:t> W</a:t>
-            </a:r>
-            <a:r>
-              <a:rPr lang="en-US" sz="4400" dirty="0" smtClean="0"/>
-              <a:t>hat is the </a:t>
-            </a:r>
-            <a:r>
-              <a:rPr lang="en-US" sz="4400" b="1" dirty="0" smtClean="0"/>
-              <a:t>cost </a:t>
-            </a:r>
-            <a:r>
-              <a:rPr lang="en-US" sz="4400" dirty="0" smtClean="0"/>
-              <a:t>10</a:t>
-            </a:r>
-            <a:r>
-              <a:rPr lang="en-US" sz="4400" dirty="0"/>
-              <a:t>% broadband penetration </a:t>
-            </a:r>
-            <a:r>
-              <a:rPr lang="en-US" sz="4400" dirty="0" smtClean="0"/>
-              <a:t>relative to other developing initiatives?</a:t>
-            </a:r>
-            <a:endParaRPr lang="en-US" sz="4400" dirty="0"/>
+            <a:pPr algn="ctr"/>
+            <a:endParaRPr lang="en-US" sz="6000" dirty="0" smtClean="0"/>
+          </a:p>
+          <a:p>
+            <a:pPr marL="0" indent="0" algn="ctr">
+              <a:buNone/>
+            </a:pPr>
+            <a:r>
+              <a:rPr lang="en-US" sz="6000" dirty="0" smtClean="0"/>
+              <a:t>Questions?</a:t>
+            </a:r>
+            <a:endParaRPr lang="en-US" sz="6000" dirty="0"/>
           </a:p>
         </p:txBody>
       </p:sp>
     </p:spTree>
     <p:extLst>
       <p:ext uri="{BB962C8B-B14F-4D97-AF65-F5344CB8AC3E}">
-        <p14:creationId xmlns:p14="http://schemas.microsoft.com/office/powerpoint/2010/main" val="1113451078"/>
+        <p14:creationId xmlns:p14="http://schemas.microsoft.com/office/powerpoint/2010/main" val="1506775611"/>
       </p:ext>
     </p:extLst>
   </p:cSld>
